--- a/Slides/05_Lecture.pptx
+++ b/Slides/05_Lecture.pptx
@@ -211,7 +211,7 @@
           <a:p>
             <a:fld id="{16136E8F-1965-6C44-A7B5-03BB9B497561}" type="datetimeFigureOut">
               <a:rPr lang="en-GB" smtClean="0"/>
-              <a:t>21/09/2017</a:t>
+              <a:t>07/11/2017</a:t>
             </a:fld>
             <a:endParaRPr lang="en-GB"/>
           </a:p>
@@ -610,7 +610,7 @@
           <a:p>
             <a:fld id="{C380D008-60B2-0246-B113-8E855462598C}" type="datetimeFigureOut">
               <a:rPr lang="en-GB" smtClean="0"/>
-              <a:t>21/09/2017</a:t>
+              <a:t>07/11/2017</a:t>
             </a:fld>
             <a:endParaRPr lang="en-GB"/>
           </a:p>
@@ -775,7 +775,7 @@
           <a:p>
             <a:fld id="{C380D008-60B2-0246-B113-8E855462598C}" type="datetimeFigureOut">
               <a:rPr lang="en-GB" smtClean="0"/>
-              <a:t>21/09/2017</a:t>
+              <a:t>07/11/2017</a:t>
             </a:fld>
             <a:endParaRPr lang="en-GB"/>
           </a:p>
@@ -950,7 +950,7 @@
           <a:p>
             <a:fld id="{C380D008-60B2-0246-B113-8E855462598C}" type="datetimeFigureOut">
               <a:rPr lang="en-GB" smtClean="0"/>
-              <a:t>21/09/2017</a:t>
+              <a:t>07/11/2017</a:t>
             </a:fld>
             <a:endParaRPr lang="en-GB"/>
           </a:p>
@@ -1115,7 +1115,7 @@
           <a:p>
             <a:fld id="{C380D008-60B2-0246-B113-8E855462598C}" type="datetimeFigureOut">
               <a:rPr lang="en-GB" smtClean="0"/>
-              <a:t>21/09/2017</a:t>
+              <a:t>07/11/2017</a:t>
             </a:fld>
             <a:endParaRPr lang="en-GB"/>
           </a:p>
@@ -1354,7 +1354,7 @@
           <a:p>
             <a:fld id="{C380D008-60B2-0246-B113-8E855462598C}" type="datetimeFigureOut">
               <a:rPr lang="en-GB" smtClean="0"/>
-              <a:t>21/09/2017</a:t>
+              <a:t>07/11/2017</a:t>
             </a:fld>
             <a:endParaRPr lang="en-GB"/>
           </a:p>
@@ -1581,7 +1581,7 @@
           <a:p>
             <a:fld id="{C380D008-60B2-0246-B113-8E855462598C}" type="datetimeFigureOut">
               <a:rPr lang="en-GB" smtClean="0"/>
-              <a:t>21/09/2017</a:t>
+              <a:t>07/11/2017</a:t>
             </a:fld>
             <a:endParaRPr lang="en-GB"/>
           </a:p>
@@ -1943,7 +1943,7 @@
           <a:p>
             <a:fld id="{C380D008-60B2-0246-B113-8E855462598C}" type="datetimeFigureOut">
               <a:rPr lang="en-GB" smtClean="0"/>
-              <a:t>21/09/2017</a:t>
+              <a:t>07/11/2017</a:t>
             </a:fld>
             <a:endParaRPr lang="en-GB"/>
           </a:p>
@@ -2056,7 +2056,7 @@
           <a:p>
             <a:fld id="{C380D008-60B2-0246-B113-8E855462598C}" type="datetimeFigureOut">
               <a:rPr lang="en-GB" smtClean="0"/>
-              <a:t>21/09/2017</a:t>
+              <a:t>07/11/2017</a:t>
             </a:fld>
             <a:endParaRPr lang="en-GB"/>
           </a:p>
@@ -2146,7 +2146,7 @@
           <a:p>
             <a:fld id="{C380D008-60B2-0246-B113-8E855462598C}" type="datetimeFigureOut">
               <a:rPr lang="en-GB" smtClean="0"/>
-              <a:t>21/09/2017</a:t>
+              <a:t>07/11/2017</a:t>
             </a:fld>
             <a:endParaRPr lang="en-GB"/>
           </a:p>
@@ -2418,7 +2418,7 @@
           <a:p>
             <a:fld id="{C380D008-60B2-0246-B113-8E855462598C}" type="datetimeFigureOut">
               <a:rPr lang="en-GB" smtClean="0"/>
-              <a:t>21/09/2017</a:t>
+              <a:t>07/11/2017</a:t>
             </a:fld>
             <a:endParaRPr lang="en-GB"/>
           </a:p>
@@ -2670,7 +2670,7 @@
           <a:p>
             <a:fld id="{C380D008-60B2-0246-B113-8E855462598C}" type="datetimeFigureOut">
               <a:rPr lang="en-GB" smtClean="0"/>
-              <a:t>21/09/2017</a:t>
+              <a:t>07/11/2017</a:t>
             </a:fld>
             <a:endParaRPr lang="en-GB"/>
           </a:p>
@@ -2878,7 +2878,7 @@
           <a:p>
             <a:fld id="{C380D008-60B2-0246-B113-8E855462598C}" type="datetimeFigureOut">
               <a:rPr lang="en-GB" smtClean="0"/>
-              <a:t>21/09/2017</a:t>
+              <a:t>07/11/2017</a:t>
             </a:fld>
             <a:endParaRPr lang="en-GB"/>
           </a:p>
@@ -3524,8 +3524,32 @@
               <a:buNone/>
             </a:pPr>
             <a:r>
-              <a:rPr lang="en-GB" smtClean="0"/>
-              <a:t>Alex D Singleton, Seth E Spielman, David C Folch (2017) Urban Analytics. London: Sage.</a:t>
+              <a:rPr lang="en-GB" dirty="0" smtClean="0"/>
+              <a:t>Alex D. Singleton, Seth E. </a:t>
+            </a:r>
+            <a:r>
+              <a:rPr lang="en-GB" dirty="0" err="1" smtClean="0"/>
+              <a:t>Spielman</a:t>
+            </a:r>
+            <a:r>
+              <a:rPr lang="en-GB" dirty="0" smtClean="0"/>
+              <a:t>, David C. </a:t>
+            </a:r>
+            <a:r>
+              <a:rPr lang="en-GB" dirty="0" err="1" smtClean="0"/>
+              <a:t>Folch</a:t>
+            </a:r>
+            <a:r>
+              <a:rPr lang="en-GB" dirty="0" smtClean="0"/>
+              <a:t> (2017) </a:t>
+            </a:r>
+            <a:r>
+              <a:rPr lang="en-GB" i="1" dirty="0" smtClean="0"/>
+              <a:t>Urban Analytics</a:t>
+            </a:r>
+            <a:r>
+              <a:rPr lang="en-GB" dirty="0" smtClean="0"/>
+              <a:t>. London: Sage.</a:t>
             </a:r>
             <a:endParaRPr lang="en-GB" dirty="0"/>
           </a:p>
@@ -3601,12 +3625,12 @@
         <p:spPr/>
         <p:txBody>
           <a:bodyPr>
-            <a:normAutofit fontScale="92500" lnSpcReduction="20000"/>
+            <a:normAutofit fontScale="92500" lnSpcReduction="10000"/>
           </a:bodyPr>
           <a:lstStyle/>
           <a:p>
             <a:r>
-              <a:rPr lang="en-US" u="sng" dirty="0"/>
+              <a:rPr lang="en-US" b="1" dirty="0"/>
               <a:t>CSV</a:t>
             </a:r>
             <a:r>
@@ -3629,15 +3653,15 @@
           <a:p>
             <a:pPr lvl="1"/>
             <a:r>
-              <a:rPr lang="en-US" u="sng" dirty="0" smtClean="0"/>
+              <a:rPr lang="en-US" b="1" dirty="0" smtClean="0"/>
               <a:t>Data </a:t>
             </a:r>
             <a:r>
-              <a:rPr lang="en-US" u="sng" dirty="0"/>
+              <a:rPr lang="en-US" b="1" dirty="0"/>
               <a:t>table </a:t>
             </a:r>
             <a:r>
-              <a:rPr lang="en-US" u="sng" dirty="0" smtClean="0"/>
+              <a:rPr lang="en-US" b="1" dirty="0" smtClean="0"/>
               <a:t>paradigm</a:t>
             </a:r>
           </a:p>
@@ -3700,15 +3724,13 @@
           <a:p>
             <a:pPr lvl="1"/>
             <a:r>
-              <a:rPr lang="en-US" dirty="0" smtClean="0"/>
-              <a:t>E.g.</a:t>
-            </a:r>
-          </a:p>
-          <a:p>
-            <a:pPr marL="457200" lvl="1" indent="0">
-              <a:buNone/>
-            </a:pPr>
-            <a:endParaRPr lang="en-US" dirty="0" smtClean="0"/>
+              <a:rPr lang="en-US" dirty="0"/>
+              <a:t>e</a:t>
+            </a:r>
+            <a:r>
+              <a:rPr lang="en-US" dirty="0" smtClean="0"/>
+              <a:t>.g.</a:t>
+            </a:r>
           </a:p>
           <a:p>
             <a:pPr marL="457200" lvl="1" indent="0">
@@ -3841,7 +3863,7 @@
           </a:p>
           <a:p>
             <a:r>
-              <a:rPr lang="en-GB" u="sng" dirty="0" err="1"/>
+              <a:rPr lang="en-GB" b="1" dirty="0" err="1"/>
               <a:t>attribute:value</a:t>
             </a:r>
             <a:r>
@@ -4158,7 +4180,7 @@
             </a:r>
             <a:r>
               <a:rPr lang="en-US" dirty="0" smtClean="0"/>
-              <a:t>using relational keys and / or queried</a:t>
+              <a:t>using relational keys and/or queried</a:t>
             </a:r>
           </a:p>
           <a:p>
@@ -4307,7 +4329,15 @@
             <a:pPr lvl="1"/>
             <a:r>
               <a:rPr lang="en-GB" dirty="0" smtClean="0"/>
-              <a:t>Structural - attributes of the dataset as a whole</a:t>
+              <a:t>Structural </a:t>
+            </a:r>
+            <a:r>
+              <a:rPr lang="en-GB" dirty="0"/>
+              <a:t>– </a:t>
+            </a:r>
+            <a:r>
+              <a:rPr lang="en-GB" dirty="0" smtClean="0"/>
+              <a:t>attributes of the dataset as a whole</a:t>
             </a:r>
           </a:p>
           <a:p>
@@ -4364,8 +4394,8 @@
           <a:lstStyle/>
           <a:p>
             <a:r>
-              <a:rPr lang="en-GB" dirty="0" smtClean="0"/>
-              <a:t>Conclusion</a:t>
+              <a:rPr lang="en-GB" smtClean="0"/>
+              <a:t>Conclusions</a:t>
             </a:r>
             <a:endParaRPr lang="en-GB" dirty="0"/>
           </a:p>
@@ -4400,8 +4430,12 @@
           <a:p>
             <a:pPr lvl="1"/>
             <a:r>
+              <a:rPr lang="en-GB" smtClean="0"/>
+              <a:t>Impact performance/speed </a:t>
+            </a:r>
+            <a:r>
               <a:rPr lang="en-GB" dirty="0" smtClean="0"/>
-              <a:t>Impact performance / speed of coding</a:t>
+              <a:t>of coding</a:t>
             </a:r>
           </a:p>
           <a:p>
@@ -4674,7 +4708,7 @@
           <a:p>
             <a:pPr lvl="2"/>
             <a:r>
-              <a:rPr lang="en-US" u="sng" dirty="0" smtClean="0"/>
+              <a:rPr lang="en-US" b="1" dirty="0" smtClean="0"/>
               <a:t>Compiled</a:t>
             </a:r>
             <a:r>
@@ -4689,7 +4723,7 @@
           <a:p>
             <a:pPr lvl="2"/>
             <a:r>
-              <a:rPr lang="en-US" u="sng" dirty="0" smtClean="0"/>
+              <a:rPr lang="en-US" b="1" dirty="0" smtClean="0"/>
               <a:t>Interpreted</a:t>
             </a:r>
             <a:r>
@@ -4700,18 +4734,26 @@
           <a:p>
             <a:pPr lvl="2"/>
             <a:r>
-              <a:rPr lang="en-US" u="sng" dirty="0" smtClean="0"/>
-              <a:t>General purpose </a:t>
-            </a:r>
-            <a:r>
-              <a:rPr lang="en-US" dirty="0" smtClean="0"/>
-              <a:t>V </a:t>
-            </a:r>
-            <a:r>
-              <a:rPr lang="en-US" u="sng" dirty="0" smtClean="0"/>
+              <a:rPr lang="en-US" b="1" dirty="0" smtClean="0"/>
+              <a:t>General purpose</a:t>
+            </a:r>
+            <a:r>
+              <a:rPr lang="en-US" dirty="0" smtClean="0"/>
+              <a:t> </a:t>
+            </a:r>
+            <a:r>
+              <a:rPr lang="en-US" dirty="0"/>
+              <a:t>v</a:t>
+            </a:r>
+            <a:r>
+              <a:rPr lang="en-US" dirty="0" smtClean="0"/>
+              <a:t> </a:t>
+            </a:r>
+            <a:r>
+              <a:rPr lang="en-US" b="1" dirty="0" smtClean="0"/>
               <a:t>domain specific</a:t>
             </a:r>
-            <a:endParaRPr lang="en-US" u="sng" dirty="0"/>
+            <a:endParaRPr lang="en-US" b="1" dirty="0"/>
           </a:p>
           <a:p>
             <a:pPr lvl="2"/>
@@ -5182,9 +5224,12 @@
             </a:r>
             <a:r>
               <a:rPr lang="en-GB" dirty="0"/>
-              <a:t>typically run faster than interpreted languages. </a:t>
-            </a:r>
-            <a:endParaRPr lang="en-GB" dirty="0" smtClean="0"/>
+              <a:t>typically run faster than interpreted </a:t>
+            </a:r>
+            <a:r>
+              <a:rPr lang="en-GB" dirty="0" smtClean="0"/>
+              <a:t>languages</a:t>
+            </a:r>
           </a:p>
           <a:p>
             <a:pPr lvl="1"/>
@@ -5360,11 +5405,11 @@
               <a:t>Data are the </a:t>
             </a:r>
             <a:r>
-              <a:rPr lang="en-US" u="sng" dirty="0"/>
+              <a:rPr lang="en-US" b="1" dirty="0"/>
               <a:t>raw </a:t>
             </a:r>
             <a:r>
-              <a:rPr lang="en-US" u="sng" dirty="0" smtClean="0"/>
+              <a:rPr lang="en-US" b="1" dirty="0" smtClean="0"/>
               <a:t>facts</a:t>
             </a:r>
             <a:r>
@@ -5507,7 +5552,7 @@
               <a:t>Data are often stored in computers as </a:t>
             </a:r>
             <a:r>
-              <a:rPr lang="en-US" u="sng" dirty="0"/>
+              <a:rPr lang="en-US" b="1" dirty="0"/>
               <a:t>integers</a:t>
             </a:r>
             <a:r>
@@ -5515,7 +5560,7 @@
               <a:t>, </a:t>
             </a:r>
             <a:r>
-              <a:rPr lang="en-US" u="sng" dirty="0"/>
+              <a:rPr lang="en-US" b="1" dirty="0"/>
               <a:t>floats</a:t>
             </a:r>
             <a:r>
@@ -5523,10 +5568,10 @@
               <a:t>, and </a:t>
             </a:r>
             <a:r>
-              <a:rPr lang="en-US" u="sng" dirty="0"/>
+              <a:rPr lang="en-US" b="1" dirty="0"/>
               <a:t>strings </a:t>
             </a:r>
-            <a:endParaRPr lang="en-US" u="sng" dirty="0" smtClean="0"/>
+            <a:endParaRPr lang="en-US" b="1" dirty="0" smtClean="0"/>
           </a:p>
           <a:p>
             <a:r>
@@ -5601,7 +5646,7 @@
               <a:t>Computers use a </a:t>
             </a:r>
             <a:r>
-              <a:rPr lang="en-US" u="sng" dirty="0"/>
+              <a:rPr lang="en-US" b="1" dirty="0"/>
               <a:t>base 2 numbering system</a:t>
             </a:r>
             <a:r>
@@ -5609,7 +5654,7 @@
               <a:t>, so no matter what we enter it is eventually stored as a series of </a:t>
             </a:r>
             <a:r>
-              <a:rPr lang="en-US" b="1" u="sng" dirty="0"/>
+              <a:rPr lang="en-US" b="1" dirty="0"/>
               <a:t>zeros and ones </a:t>
             </a:r>
           </a:p>
@@ -5723,7 +5768,7 @@
               <a:t>The number of bits used to define a number gives its </a:t>
             </a:r>
             <a:r>
-              <a:rPr lang="en-US" u="sng" dirty="0"/>
+              <a:rPr lang="en-US" b="1" dirty="0"/>
               <a:t>range</a:t>
             </a:r>
             <a:r>
@@ -5746,8 +5791,12 @@
           <a:p>
             <a:pPr lvl="1"/>
             <a:r>
-              <a:rPr lang="en-US" dirty="0" smtClean="0"/>
-              <a:t>E.g. </a:t>
+              <a:rPr lang="en-US" dirty="0"/>
+              <a:t>e</a:t>
+            </a:r>
+            <a:r>
+              <a:rPr lang="en-US" dirty="0" smtClean="0"/>
+              <a:t>.g. </a:t>
             </a:r>
           </a:p>
           <a:p>
@@ -5798,11 +5847,11 @@
             </a:r>
             <a:r>
               <a:rPr lang="en-US" dirty="0"/>
-              <a:t>the number of bits has been set, all numbers take up the same amount of space</a:t>
-            </a:r>
-            <a:r>
-              <a:rPr lang="en-US" dirty="0" smtClean="0"/>
-              <a:t>.</a:t>
+              <a:t>the number of bits has been set, all numbers take up the same amount of </a:t>
+            </a:r>
+            <a:r>
+              <a:rPr lang="en-US" dirty="0" smtClean="0"/>
+              <a:t>space</a:t>
             </a:r>
           </a:p>
           <a:p>
@@ -5817,7 +5866,7 @@
             </a:r>
             <a:r>
               <a:rPr lang="en-US" dirty="0" smtClean="0"/>
-              <a:t>data</a:t>
+              <a:t>data.</a:t>
             </a:r>
             <a:endParaRPr lang="en-US" dirty="0"/>
           </a:p>
@@ -5916,7 +5965,7 @@
             </a:r>
             <a:r>
               <a:rPr lang="en-US" dirty="0" smtClean="0"/>
-              <a:t>Interchange</a:t>
+              <a:t>Interchange)</a:t>
             </a:r>
           </a:p>
           <a:p>
@@ -5962,21 +6011,21 @@
             <a:pPr lvl="1"/>
             <a:r>
               <a:rPr lang="en-US" dirty="0" smtClean="0"/>
-              <a:t>Numerals</a:t>
+              <a:t>numerals</a:t>
             </a:r>
           </a:p>
           <a:p>
             <a:pPr lvl="1"/>
             <a:r>
               <a:rPr lang="en-US" dirty="0" smtClean="0"/>
-              <a:t>Punctuation</a:t>
+              <a:t>punctuation</a:t>
             </a:r>
           </a:p>
           <a:p>
             <a:pPr lvl="1"/>
             <a:r>
               <a:rPr lang="en-US" dirty="0" smtClean="0"/>
-              <a:t>Space</a:t>
+              <a:t>space</a:t>
             </a:r>
           </a:p>
           <a:p>
